--- a/SolidASPNETCore/SolidASPNETCore.pptx
+++ b/SolidASPNETCore/SolidASPNETCore.pptx
@@ -3811,7 +3811,7 @@
           <a:p>
             <a:r>
               <a:rPr lang="en-US" dirty="0"/>
-              <a:t>Put Your Controllers on a Diet</a:t>
+              <a:t>SOLID ASP.NET Core</a:t>
             </a:r>
             <a:endParaRPr lang="en-US" sz="4800" dirty="0"/>
           </a:p>

--- a/SolidASPNETCore/SolidASPNETCore.pptx
+++ b/SolidASPNETCore/SolidASPNETCore.pptx
@@ -5,12 +5,13 @@
     <p:sldMasterId id="2147483684" r:id="rId1"/>
   </p:sldMasterIdLst>
   <p:notesMasterIdLst>
-    <p:notesMasterId r:id="rId5"/>
+    <p:notesMasterId r:id="rId6"/>
   </p:notesMasterIdLst>
   <p:sldIdLst>
     <p:sldId id="258" r:id="rId2"/>
     <p:sldId id="259" r:id="rId3"/>
     <p:sldId id="260" r:id="rId4"/>
+    <p:sldId id="261" r:id="rId5"/>
   </p:sldIdLst>
   <p:sldSz cx="12192000" cy="6858000"/>
   <p:notesSz cx="6858000" cy="9144000"/>
@@ -199,7 +200,7 @@
           <a:p>
             <a:fld id="{1F97ECA5-4044-4ED6-8472-6668B9C1F77C}" type="datetimeFigureOut">
               <a:rPr lang="en-US" smtClean="0"/>
-              <a:t>5/26/2016</a:t>
+              <a:t>8/2/2016</a:t>
             </a:fld>
             <a:endParaRPr lang="en-US"/>
           </a:p>
@@ -564,6 +565,95 @@
 </p:notes>
 </file>
 
+<file path=ppt/notesSlides/notesSlide2.xml><?xml version="1.0" encoding="utf-8"?>
+<p:notes xmlns:a="http://schemas.openxmlformats.org/drawingml/2006/main" xmlns:r="http://schemas.openxmlformats.org/officeDocument/2006/relationships" xmlns:p="http://schemas.openxmlformats.org/presentationml/2006/main">
+  <p:cSld>
+    <p:spTree>
+      <p:nvGrpSpPr>
+        <p:cNvPr id="1" name=""/>
+        <p:cNvGrpSpPr/>
+        <p:nvPr/>
+      </p:nvGrpSpPr>
+      <p:grpSpPr>
+        <a:xfrm>
+          <a:off x="0" y="0"/>
+          <a:ext cx="0" cy="0"/>
+          <a:chOff x="0" y="0"/>
+          <a:chExt cx="0" cy="0"/>
+        </a:xfrm>
+      </p:grpSpPr>
+      <p:sp>
+        <p:nvSpPr>
+          <p:cNvPr id="2" name="Slide Image Placeholder 1"/>
+          <p:cNvSpPr>
+            <a:spLocks noGrp="1" noRot="1" noChangeAspect="1"/>
+          </p:cNvSpPr>
+          <p:nvPr>
+            <p:ph type="sldImg"/>
+          </p:nvPr>
+        </p:nvSpPr>
+        <p:spPr>
+          <a:xfrm>
+            <a:off x="381000" y="685800"/>
+            <a:ext cx="6096000" cy="3429000"/>
+          </a:xfrm>
+        </p:spPr>
+      </p:sp>
+      <p:sp>
+        <p:nvSpPr>
+          <p:cNvPr id="3" name="Notes Placeholder 2"/>
+          <p:cNvSpPr>
+            <a:spLocks noGrp="1"/>
+          </p:cNvSpPr>
+          <p:nvPr>
+            <p:ph type="body" idx="1"/>
+          </p:nvPr>
+        </p:nvSpPr>
+        <p:spPr/>
+        <p:txBody>
+          <a:bodyPr/>
+          <a:lstStyle/>
+          <a:p>
+            <a:endParaRPr lang="en-US"/>
+          </a:p>
+        </p:txBody>
+      </p:sp>
+      <p:sp>
+        <p:nvSpPr>
+          <p:cNvPr id="4" name="Slide Number Placeholder 3"/>
+          <p:cNvSpPr>
+            <a:spLocks noGrp="1"/>
+          </p:cNvSpPr>
+          <p:nvPr>
+            <p:ph type="sldNum" sz="quarter" idx="10"/>
+          </p:nvPr>
+        </p:nvSpPr>
+        <p:spPr/>
+        <p:txBody>
+          <a:bodyPr/>
+          <a:lstStyle/>
+          <a:p>
+            <a:fld id="{DC42B9C4-3265-4C64-80EB-D0107FD08979}" type="slidenum">
+              <a:rPr lang="en-US" smtClean="0"/>
+              <a:t>4</a:t>
+            </a:fld>
+            <a:endParaRPr lang="en-US"/>
+          </a:p>
+        </p:txBody>
+      </p:sp>
+    </p:spTree>
+    <p:extLst>
+      <p:ext uri="{BB962C8B-B14F-4D97-AF65-F5344CB8AC3E}">
+        <p14:creationId xmlns:p14="http://schemas.microsoft.com/office/powerpoint/2010/main" val="550055712"/>
+      </p:ext>
+    </p:extLst>
+  </p:cSld>
+  <p:clrMapOvr>
+    <a:masterClrMapping/>
+  </p:clrMapOvr>
+</p:notes>
+</file>
+
 <file path=ppt/slideLayouts/slideLayout1.xml><?xml version="1.0" encoding="utf-8"?>
 <p:sldLayout xmlns:a="http://schemas.openxmlformats.org/drawingml/2006/main" xmlns:r="http://schemas.openxmlformats.org/officeDocument/2006/relationships" xmlns:p="http://schemas.openxmlformats.org/presentationml/2006/main" type="title" preserve="1">
   <p:cSld name="Title Slide">
@@ -700,7 +790,7 @@
                 </a:solidFill>
               </a:rPr>
               <a:pPr/>
-              <a:t>5/26/2016</a:t>
+              <a:t>8/2/2016</a:t>
             </a:fld>
             <a:endParaRPr lang="en-US">
               <a:solidFill>
@@ -900,7 +990,7 @@
                 </a:solidFill>
               </a:rPr>
               <a:pPr/>
-              <a:t>5/26/2016</a:t>
+              <a:t>8/2/2016</a:t>
             </a:fld>
             <a:endParaRPr lang="en-US">
               <a:solidFill>
@@ -1110,7 +1200,7 @@
                 </a:solidFill>
               </a:rPr>
               <a:pPr/>
-              <a:t>5/26/2016</a:t>
+              <a:t>8/2/2016</a:t>
             </a:fld>
             <a:endParaRPr lang="en-US">
               <a:solidFill>
@@ -1310,7 +1400,7 @@
                 </a:solidFill>
               </a:rPr>
               <a:pPr/>
-              <a:t>5/26/2016</a:t>
+              <a:t>8/2/2016</a:t>
             </a:fld>
             <a:endParaRPr lang="en-US">
               <a:solidFill>
@@ -1587,7 +1677,7 @@
                 </a:solidFill>
               </a:rPr>
               <a:pPr/>
-              <a:t>5/26/2016</a:t>
+              <a:t>8/2/2016</a:t>
             </a:fld>
             <a:endParaRPr lang="en-US">
               <a:solidFill>
@@ -1848,7 +1938,7 @@
                 </a:solidFill>
               </a:rPr>
               <a:pPr/>
-              <a:t>5/26/2016</a:t>
+              <a:t>8/2/2016</a:t>
             </a:fld>
             <a:endParaRPr lang="en-US">
               <a:solidFill>
@@ -2244,7 +2334,7 @@
                 </a:solidFill>
               </a:rPr>
               <a:pPr/>
-              <a:t>5/26/2016</a:t>
+              <a:t>8/2/2016</a:t>
             </a:fld>
             <a:endParaRPr lang="en-US">
               <a:solidFill>
@@ -2393,7 +2483,7 @@
                 </a:solidFill>
               </a:rPr>
               <a:pPr/>
-              <a:t>5/26/2016</a:t>
+              <a:t>8/2/2016</a:t>
             </a:fld>
             <a:endParaRPr lang="en-US">
               <a:solidFill>
@@ -2520,7 +2610,7 @@
                 </a:solidFill>
               </a:rPr>
               <a:pPr/>
-              <a:t>5/26/2016</a:t>
+              <a:t>8/2/2016</a:t>
             </a:fld>
             <a:endParaRPr lang="en-US">
               <a:solidFill>
@@ -2827,7 +2917,7 @@
                 </a:solidFill>
               </a:rPr>
               <a:pPr/>
-              <a:t>5/26/2016</a:t>
+              <a:t>8/2/2016</a:t>
             </a:fld>
             <a:endParaRPr lang="en-US">
               <a:solidFill>
@@ -3111,7 +3201,7 @@
                 </a:solidFill>
               </a:rPr>
               <a:pPr/>
-              <a:t>5/26/2016</a:t>
+              <a:t>8/2/2016</a:t>
             </a:fld>
             <a:endParaRPr lang="en-US">
               <a:solidFill>
@@ -3354,7 +3444,7 @@
                 </a:solidFill>
               </a:rPr>
               <a:pPr/>
-              <a:t>5/26/2016</a:t>
+              <a:t>8/2/2016</a:t>
             </a:fld>
             <a:endParaRPr lang="en-US">
               <a:solidFill>
@@ -6236,6 +6326,233 @@
 </p:sld>
 </file>
 
+<file path=ppt/slides/slide4.xml><?xml version="1.0" encoding="utf-8"?>
+<p:sld xmlns:a="http://schemas.openxmlformats.org/drawingml/2006/main" xmlns:r="http://schemas.openxmlformats.org/officeDocument/2006/relationships" xmlns:p="http://schemas.openxmlformats.org/presentationml/2006/main">
+  <p:cSld>
+    <p:spTree>
+      <p:nvGrpSpPr>
+        <p:cNvPr id="1" name=""/>
+        <p:cNvGrpSpPr/>
+        <p:nvPr/>
+      </p:nvGrpSpPr>
+      <p:grpSpPr>
+        <a:xfrm>
+          <a:off x="0" y="0"/>
+          <a:ext cx="0" cy="0"/>
+          <a:chOff x="0" y="0"/>
+          <a:chExt cx="0" cy="0"/>
+        </a:xfrm>
+      </p:grpSpPr>
+      <p:sp>
+        <p:nvSpPr>
+          <p:cNvPr id="2" name="Title 1"/>
+          <p:cNvSpPr>
+            <a:spLocks noGrp="1"/>
+          </p:cNvSpPr>
+          <p:nvPr>
+            <p:ph type="ctrTitle"/>
+            <p:custDataLst>
+              <p:tags r:id="rId2"/>
+            </p:custDataLst>
+          </p:nvPr>
+        </p:nvSpPr>
+        <p:spPr>
+          <a:xfrm>
+            <a:off x="1759392" y="247431"/>
+            <a:ext cx="8691327" cy="2387600"/>
+          </a:xfrm>
+        </p:spPr>
+        <p:txBody>
+          <a:bodyPr anchor="ctr">
+            <a:noAutofit/>
+          </a:bodyPr>
+          <a:lstStyle/>
+          <a:p>
+            <a:r>
+              <a:rPr lang="en-US" dirty="0"/>
+              <a:t>SOLID ASP.NET Core</a:t>
+            </a:r>
+            <a:endParaRPr lang="en-US" sz="4800" dirty="0"/>
+          </a:p>
+        </p:txBody>
+      </p:sp>
+      <p:sp>
+        <p:nvSpPr>
+          <p:cNvPr id="3" name="Subtitle 2"/>
+          <p:cNvSpPr>
+            <a:spLocks noGrp="1"/>
+          </p:cNvSpPr>
+          <p:nvPr>
+            <p:ph type="subTitle" idx="1"/>
+            <p:custDataLst>
+              <p:tags r:id="rId3"/>
+            </p:custDataLst>
+          </p:nvPr>
+        </p:nvSpPr>
+        <p:spPr>
+          <a:xfrm>
+            <a:off x="2676055" y="3188072"/>
+            <a:ext cx="6858000" cy="3092807"/>
+          </a:xfrm>
+        </p:spPr>
+        <p:txBody>
+          <a:bodyPr>
+            <a:normAutofit lnSpcReduction="10000"/>
+          </a:bodyPr>
+          <a:lstStyle/>
+          <a:p>
+            <a:r>
+              <a:rPr lang="en-US" dirty="0"/>
+              <a:t>Jimmy Bogard</a:t>
+            </a:r>
+          </a:p>
+          <a:p>
+            <a:r>
+              <a:rPr lang="en-US" dirty="0"/>
+              <a:t>@</a:t>
+            </a:r>
+            <a:r>
+              <a:rPr lang="en-US" dirty="0" err="1"/>
+              <a:t>jbogard</a:t>
+            </a:r>
+            <a:endParaRPr lang="en-US" dirty="0"/>
+          </a:p>
+          <a:p>
+            <a:r>
+              <a:rPr lang="en-US" dirty="0"/>
+              <a:t>github.com/</a:t>
+            </a:r>
+            <a:r>
+              <a:rPr lang="en-US" dirty="0" err="1"/>
+              <a:t>jbogard</a:t>
+            </a:r>
+            <a:endParaRPr lang="en-US" dirty="0"/>
+          </a:p>
+          <a:p>
+            <a:r>
+              <a:rPr lang="en-US" dirty="0"/>
+              <a:t>jimmybogard.lostechies.com</a:t>
+            </a:r>
+          </a:p>
+          <a:p>
+            <a:r>
+              <a:rPr lang="en-US" dirty="0"/>
+              <a:t>bit.ly/11xNDCSydney</a:t>
+            </a:r>
+          </a:p>
+          <a:p>
+            <a:endParaRPr lang="en-US" dirty="0"/>
+          </a:p>
+          <a:p>
+            <a:r>
+              <a:rPr lang="en-US" dirty="0"/>
+              <a:t>github.com/</a:t>
+            </a:r>
+            <a:r>
+              <a:rPr lang="en-US" dirty="0" err="1"/>
+              <a:t>jbogard</a:t>
+            </a:r>
+            <a:r>
+              <a:rPr lang="en-US" dirty="0"/>
+              <a:t>/presentations</a:t>
+            </a:r>
+          </a:p>
+        </p:txBody>
+      </p:sp>
+      <p:sp>
+        <p:nvSpPr>
+          <p:cNvPr id="5" name="TextBox 4"/>
+          <p:cNvSpPr txBox="1"/>
+          <p:nvPr/>
+        </p:nvSpPr>
+        <p:spPr>
+          <a:xfrm>
+            <a:off x="8880232" y="4492868"/>
+            <a:ext cx="2857500" cy="954107"/>
+          </a:xfrm>
+          <a:prstGeom prst="rect">
+            <a:avLst/>
+          </a:prstGeom>
+          <a:noFill/>
+          <a:ln w="38100">
+            <a:solidFill>
+              <a:schemeClr val="accent2"/>
+            </a:solidFill>
+          </a:ln>
+        </p:spPr>
+        <p:txBody>
+          <a:bodyPr wrap="square" rtlCol="0">
+            <a:spAutoFit/>
+          </a:bodyPr>
+          <a:lstStyle/>
+          <a:p>
+            <a:pPr algn="ctr"/>
+            <a:r>
+              <a:rPr lang="en-US" sz="2800" dirty="0"/>
+              <a:t>Promo Code:</a:t>
+            </a:r>
+          </a:p>
+          <a:p>
+            <a:pPr algn="ctr"/>
+            <a:r>
+              <a:rPr lang="en-US" sz="2800" dirty="0"/>
+              <a:t>NDCSYDNEY</a:t>
+            </a:r>
+          </a:p>
+        </p:txBody>
+      </p:sp>
+      <p:cxnSp>
+        <p:nvCxnSpPr>
+          <p:cNvPr id="7" name="Straight Arrow Connector 6"/>
+          <p:cNvCxnSpPr/>
+          <p:nvPr/>
+        </p:nvCxnSpPr>
+        <p:spPr>
+          <a:xfrm>
+            <a:off x="8124730" y="5020408"/>
+            <a:ext cx="685800" cy="0"/>
+          </a:xfrm>
+          <a:prstGeom prst="straightConnector1">
+            <a:avLst/>
+          </a:prstGeom>
+          <a:ln w="38100">
+            <a:solidFill>
+              <a:schemeClr val="accent2"/>
+            </a:solidFill>
+            <a:tailEnd type="triangle"/>
+          </a:ln>
+        </p:spPr>
+        <p:style>
+          <a:lnRef idx="1">
+            <a:schemeClr val="accent1"/>
+          </a:lnRef>
+          <a:fillRef idx="0">
+            <a:schemeClr val="accent1"/>
+          </a:fillRef>
+          <a:effectRef idx="0">
+            <a:schemeClr val="accent1"/>
+          </a:effectRef>
+          <a:fontRef idx="minor">
+            <a:schemeClr val="tx1"/>
+          </a:fontRef>
+        </p:style>
+      </p:cxnSp>
+    </p:spTree>
+    <p:custDataLst>
+      <p:tags r:id="rId1"/>
+    </p:custDataLst>
+    <p:extLst>
+      <p:ext uri="{BB962C8B-B14F-4D97-AF65-F5344CB8AC3E}">
+        <p14:creationId xmlns:p14="http://schemas.microsoft.com/office/powerpoint/2010/main" val="3290972091"/>
+      </p:ext>
+    </p:extLst>
+  </p:cSld>
+  <p:clrMapOvr>
+    <a:masterClrMapping/>
+  </p:clrMapOvr>
+</p:sld>
+</file>
+
 <file path=ppt/tags/tag1.xml><?xml version="1.0" encoding="utf-8"?>
 <p:tagLst xmlns:a="http://schemas.openxmlformats.org/drawingml/2006/main" xmlns:r="http://schemas.openxmlformats.org/officeDocument/2006/relationships" xmlns:p="http://schemas.openxmlformats.org/presentationml/2006/main">
   <p:tag name="DVSECTIONID" val="ULJKTtTuA1JYcmiIHNUWnZ"/>
@@ -6249,6 +6566,24 @@
 </file>
 
 <file path=ppt/tags/tag3.xml><?xml version="1.0" encoding="utf-8"?>
+<p:tagLst xmlns:a="http://schemas.openxmlformats.org/drawingml/2006/main" xmlns:r="http://schemas.openxmlformats.org/officeDocument/2006/relationships" xmlns:p="http://schemas.openxmlformats.org/presentationml/2006/main">
+  <p:tag name="DVSHAPEID" val="9GXR3BK6E2EUKvoPmRUH3b"/>
+</p:tagLst>
+</file>
+
+<file path=ppt/tags/tag4.xml><?xml version="1.0" encoding="utf-8"?>
+<p:tagLst xmlns:a="http://schemas.openxmlformats.org/drawingml/2006/main" xmlns:r="http://schemas.openxmlformats.org/officeDocument/2006/relationships" xmlns:p="http://schemas.openxmlformats.org/presentationml/2006/main">
+  <p:tag name="DVSECTIONID" val="ULJKTtTuA1JYcmiIHNUWnZ"/>
+</p:tagLst>
+</file>
+
+<file path=ppt/tags/tag5.xml><?xml version="1.0" encoding="utf-8"?>
+<p:tagLst xmlns:a="http://schemas.openxmlformats.org/drawingml/2006/main" xmlns:r="http://schemas.openxmlformats.org/officeDocument/2006/relationships" xmlns:p="http://schemas.openxmlformats.org/presentationml/2006/main">
+  <p:tag name="DVSHAPEID" val="0el361ATYxVn7CIhxUw3rP"/>
+</p:tagLst>
+</file>
+
+<file path=ppt/tags/tag6.xml><?xml version="1.0" encoding="utf-8"?>
 <p:tagLst xmlns:a="http://schemas.openxmlformats.org/drawingml/2006/main" xmlns:r="http://schemas.openxmlformats.org/officeDocument/2006/relationships" xmlns:p="http://schemas.openxmlformats.org/presentationml/2006/main">
   <p:tag name="DVSHAPEID" val="9GXR3BK6E2EUKvoPmRUH3b"/>
 </p:tagLst>

--- a/SolidASPNETCore/SolidASPNETCore.pptx
+++ b/SolidASPNETCore/SolidASPNETCore.pptx
@@ -200,7 +200,7 @@
           <a:p>
             <a:fld id="{1F97ECA5-4044-4ED6-8472-6668B9C1F77C}" type="datetimeFigureOut">
               <a:rPr lang="en-US" smtClean="0"/>
-              <a:t>8/2/2016</a:t>
+              <a:t>8/4/2016</a:t>
             </a:fld>
             <a:endParaRPr lang="en-US"/>
           </a:p>
@@ -790,7 +790,7 @@
                 </a:solidFill>
               </a:rPr>
               <a:pPr/>
-              <a:t>8/2/2016</a:t>
+              <a:t>8/4/2016</a:t>
             </a:fld>
             <a:endParaRPr lang="en-US">
               <a:solidFill>
@@ -990,7 +990,7 @@
                 </a:solidFill>
               </a:rPr>
               <a:pPr/>
-              <a:t>8/2/2016</a:t>
+              <a:t>8/4/2016</a:t>
             </a:fld>
             <a:endParaRPr lang="en-US">
               <a:solidFill>
@@ -1200,7 +1200,7 @@
                 </a:solidFill>
               </a:rPr>
               <a:pPr/>
-              <a:t>8/2/2016</a:t>
+              <a:t>8/4/2016</a:t>
             </a:fld>
             <a:endParaRPr lang="en-US">
               <a:solidFill>
@@ -1400,7 +1400,7 @@
                 </a:solidFill>
               </a:rPr>
               <a:pPr/>
-              <a:t>8/2/2016</a:t>
+              <a:t>8/4/2016</a:t>
             </a:fld>
             <a:endParaRPr lang="en-US">
               <a:solidFill>
@@ -1677,7 +1677,7 @@
                 </a:solidFill>
               </a:rPr>
               <a:pPr/>
-              <a:t>8/2/2016</a:t>
+              <a:t>8/4/2016</a:t>
             </a:fld>
             <a:endParaRPr lang="en-US">
               <a:solidFill>
@@ -1938,7 +1938,7 @@
                 </a:solidFill>
               </a:rPr>
               <a:pPr/>
-              <a:t>8/2/2016</a:t>
+              <a:t>8/4/2016</a:t>
             </a:fld>
             <a:endParaRPr lang="en-US">
               <a:solidFill>
@@ -2334,7 +2334,7 @@
                 </a:solidFill>
               </a:rPr>
               <a:pPr/>
-              <a:t>8/2/2016</a:t>
+              <a:t>8/4/2016</a:t>
             </a:fld>
             <a:endParaRPr lang="en-US">
               <a:solidFill>
@@ -2483,7 +2483,7 @@
                 </a:solidFill>
               </a:rPr>
               <a:pPr/>
-              <a:t>8/2/2016</a:t>
+              <a:t>8/4/2016</a:t>
             </a:fld>
             <a:endParaRPr lang="en-US">
               <a:solidFill>
@@ -2610,7 +2610,7 @@
                 </a:solidFill>
               </a:rPr>
               <a:pPr/>
-              <a:t>8/2/2016</a:t>
+              <a:t>8/4/2016</a:t>
             </a:fld>
             <a:endParaRPr lang="en-US">
               <a:solidFill>
@@ -2917,7 +2917,7 @@
                 </a:solidFill>
               </a:rPr>
               <a:pPr/>
-              <a:t>8/2/2016</a:t>
+              <a:t>8/4/2016</a:t>
             </a:fld>
             <a:endParaRPr lang="en-US">
               <a:solidFill>
@@ -3201,7 +3201,7 @@
                 </a:solidFill>
               </a:rPr>
               <a:pPr/>
-              <a:t>8/2/2016</a:t>
+              <a:t>8/4/2016</a:t>
             </a:fld>
             <a:endParaRPr lang="en-US">
               <a:solidFill>
@@ -3444,7 +3444,7 @@
                 </a:solidFill>
               </a:rPr>
               <a:pPr/>
-              <a:t>8/2/2016</a:t>
+              <a:t>8/4/2016</a:t>
             </a:fld>
             <a:endParaRPr lang="en-US">
               <a:solidFill>
@@ -6437,7 +6437,7 @@
           <a:p>
             <a:r>
               <a:rPr lang="en-US" dirty="0"/>
-              <a:t>bit.ly/11xNDCSydney</a:t>
+              <a:t>11xEngineering.com</a:t>
             </a:r>
           </a:p>
           <a:p>
@@ -6459,84 +6459,6 @@
           </a:p>
         </p:txBody>
       </p:sp>
-      <p:sp>
-        <p:nvSpPr>
-          <p:cNvPr id="5" name="TextBox 4"/>
-          <p:cNvSpPr txBox="1"/>
-          <p:nvPr/>
-        </p:nvSpPr>
-        <p:spPr>
-          <a:xfrm>
-            <a:off x="8880232" y="4492868"/>
-            <a:ext cx="2857500" cy="954107"/>
-          </a:xfrm>
-          <a:prstGeom prst="rect">
-            <a:avLst/>
-          </a:prstGeom>
-          <a:noFill/>
-          <a:ln w="38100">
-            <a:solidFill>
-              <a:schemeClr val="accent2"/>
-            </a:solidFill>
-          </a:ln>
-        </p:spPr>
-        <p:txBody>
-          <a:bodyPr wrap="square" rtlCol="0">
-            <a:spAutoFit/>
-          </a:bodyPr>
-          <a:lstStyle/>
-          <a:p>
-            <a:pPr algn="ctr"/>
-            <a:r>
-              <a:rPr lang="en-US" sz="2800" dirty="0"/>
-              <a:t>Promo Code:</a:t>
-            </a:r>
-          </a:p>
-          <a:p>
-            <a:pPr algn="ctr"/>
-            <a:r>
-              <a:rPr lang="en-US" sz="2800" dirty="0"/>
-              <a:t>NDCSYDNEY</a:t>
-            </a:r>
-          </a:p>
-        </p:txBody>
-      </p:sp>
-      <p:cxnSp>
-        <p:nvCxnSpPr>
-          <p:cNvPr id="7" name="Straight Arrow Connector 6"/>
-          <p:cNvCxnSpPr/>
-          <p:nvPr/>
-        </p:nvCxnSpPr>
-        <p:spPr>
-          <a:xfrm>
-            <a:off x="8124730" y="5020408"/>
-            <a:ext cx="685800" cy="0"/>
-          </a:xfrm>
-          <a:prstGeom prst="straightConnector1">
-            <a:avLst/>
-          </a:prstGeom>
-          <a:ln w="38100">
-            <a:solidFill>
-              <a:schemeClr val="accent2"/>
-            </a:solidFill>
-            <a:tailEnd type="triangle"/>
-          </a:ln>
-        </p:spPr>
-        <p:style>
-          <a:lnRef idx="1">
-            <a:schemeClr val="accent1"/>
-          </a:lnRef>
-          <a:fillRef idx="0">
-            <a:schemeClr val="accent1"/>
-          </a:fillRef>
-          <a:effectRef idx="0">
-            <a:schemeClr val="accent1"/>
-          </a:effectRef>
-          <a:fontRef idx="minor">
-            <a:schemeClr val="tx1"/>
-          </a:fontRef>
-        </p:style>
-      </p:cxnSp>
     </p:spTree>
     <p:custDataLst>
       <p:tags r:id="rId1"/>
